--- a/doc/nsdi16/fig/rangeopts.pptx
+++ b/doc/nsdi16/fig/rangeopts.pptx
@@ -5398,7 +5398,7 @@
         <p:spPr>
           <a:xfrm>
             <a:off x="397450" y="3316654"/>
-            <a:ext cx="2068770" cy="369332"/>
+            <a:ext cx="2222508" cy="369332"/>
           </a:xfrm>
           <a:prstGeom prst="rect">
             <a:avLst/>
@@ -5419,7 +5419,17 @@
                 <a:latin typeface="Helvetica"/>
                 <a:cs typeface="Helvetica"/>
               </a:rPr>
-              <a:t>V within no range.</a:t>
+              <a:t>V within </a:t>
+            </a:r>
+            <a:r>
+              <a:rPr lang="en-US" i="1" smtClean="0">
+                <a:solidFill>
+                  <a:srgbClr val="FF0000"/>
+                </a:solidFill>
+                <a:latin typeface="Helvetica"/>
+                <a:cs typeface="Helvetica"/>
+              </a:rPr>
+              <a:t>no interval.</a:t>
             </a:r>
             <a:endParaRPr lang="en-US" i="1" baseline="-25000" dirty="0">
               <a:solidFill>
